--- a/proyecto/DatosProyecto.pptx
+++ b/proyecto/DatosProyecto.pptx
@@ -12,10 +12,9 @@
     <p:sldId id="263" r:id="rId6"/>
     <p:sldId id="265" r:id="rId7"/>
     <p:sldId id="264" r:id="rId8"/>
-    <p:sldId id="259" r:id="rId9"/>
-    <p:sldId id="260" r:id="rId10"/>
-    <p:sldId id="261" r:id="rId11"/>
-    <p:sldId id="262" r:id="rId12"/>
+    <p:sldId id="260" r:id="rId9"/>
+    <p:sldId id="261" r:id="rId10"/>
+    <p:sldId id="262" r:id="rId11"/>
   </p:sldIdLst>
   <p:sldSz cx="9144000" cy="6858000" type="screen4x3"/>
   <p:notesSz cx="7772400" cy="10058400"/>
@@ -4592,128 +4591,37 @@
                 <a:latin typeface="Calibri"/>
                 <a:ea typeface="DejaVu Sans"/>
               </a:rPr>
-              <a:t>15 de mayo 2018</a:t>
+              <a:t>May 15</a:t>
             </a:r>
-            <a:endParaRPr lang="en-US" sz="1800" b="0" strike="noStrike" spc="-1" dirty="0">
-              <a:solidFill>
-                <a:srgbClr val="000000"/>
-              </a:solidFill>
-              <a:uFill>
-                <a:solidFill>
-                  <a:srgbClr val="FFFFFF"/>
-                </a:solidFill>
-              </a:uFill>
-              <a:latin typeface="Arial"/>
-            </a:endParaRPr>
-          </a:p>
-        </p:txBody>
-      </p:sp>
-    </p:spTree>
-  </p:cSld>
-  <p:clrMapOvr>
-    <a:masterClrMapping/>
-  </p:clrMapOvr>
-  <p:timing>
-    <p:tnLst>
-      <p:par>
-        <p:cTn id="1" dur="indefinite" restart="never" nodeType="tmRoot">
-          <p:childTnLst>
-            <p:seq>
-              <p:cTn id="2" nodeType="mainSeq"/>
-              <p:prevCondLst>
-                <p:cond evt="onPrev" delay="0">
-                  <p:tgtEl>
-                    <p:sldTgt/>
-                  </p:tgtEl>
-                </p:cond>
-              </p:prevCondLst>
-              <p:nextCondLst>
-                <p:cond evt="onNext" delay="0">
-                  <p:tgtEl>
-                    <p:sldTgt/>
-                  </p:tgtEl>
-                </p:cond>
-              </p:nextCondLst>
-            </p:seq>
-          </p:childTnLst>
-        </p:cTn>
-      </p:par>
-    </p:tnLst>
-  </p:timing>
-</p:sld>
-</file>
-
-<file path=ppt/slides/slide10.xml><?xml version="1.0" encoding="utf-8"?>
-<p:sld xmlns:a="http://schemas.openxmlformats.org/drawingml/2006/main" xmlns:r="http://schemas.openxmlformats.org/officeDocument/2006/relationships" xmlns:p="http://schemas.openxmlformats.org/presentationml/2006/main">
-  <p:cSld>
-    <p:spTree>
-      <p:nvGrpSpPr>
-        <p:cNvPr id="1" name=""/>
-        <p:cNvGrpSpPr/>
-        <p:nvPr/>
-      </p:nvGrpSpPr>
-      <p:grpSpPr>
-        <a:xfrm>
-          <a:off x="0" y="0"/>
-          <a:ext cx="0" cy="0"/>
-          <a:chOff x="0" y="0"/>
-          <a:chExt cx="0" cy="0"/>
-        </a:xfrm>
-      </p:grpSpPr>
-      <p:sp>
-        <p:nvSpPr>
-          <p:cNvPr id="128" name="CustomShape 1"/>
-          <p:cNvSpPr/>
-          <p:nvPr/>
-        </p:nvSpPr>
-        <p:spPr>
-          <a:xfrm>
-            <a:off x="343080" y="330840"/>
-            <a:ext cx="7885080" cy="613800"/>
-          </a:xfrm>
-          <a:prstGeom prst="rect">
-            <a:avLst/>
-          </a:prstGeom>
-          <a:noFill/>
-          <a:ln>
-            <a:noFill/>
-          </a:ln>
-        </p:spPr>
-        <p:style>
-          <a:lnRef idx="0">
-            <a:scrgbClr r="0" g="0" b="0"/>
-          </a:lnRef>
-          <a:fillRef idx="0">
-            <a:scrgbClr r="0" g="0" b="0"/>
-          </a:fillRef>
-          <a:effectRef idx="0">
-            <a:scrgbClr r="0" g="0" b="0"/>
-          </a:effectRef>
-          <a:fontRef idx="minor"/>
-        </p:style>
-        <p:txBody>
-          <a:bodyPr lIns="90000" tIns="45000" rIns="90000" bIns="45000" anchor="ctr"/>
-          <a:lstStyle/>
-          <a:p>
-            <a:pPr>
-              <a:lnSpc>
-                <a:spcPct val="90000"/>
-              </a:lnSpc>
-            </a:pPr>
             <a:r>
-              <a:rPr lang="en-US" sz="2800" b="1" i="1" strike="noStrike" spc="-1" dirty="0" smtClean="0">
-                <a:solidFill>
-                  <a:srgbClr val="333F4F"/>
+              <a:rPr lang="en-US" sz="2400" b="0" i="1" strike="noStrike" spc="-1" baseline="30000" dirty="0" smtClean="0">
+                <a:solidFill>
+                  <a:srgbClr val="1F4E79"/>
                 </a:solidFill>
                 <a:uFill>
                   <a:solidFill>
                     <a:srgbClr val="FFFFFF"/>
                   </a:solidFill>
                 </a:uFill>
-                <a:latin typeface="Arial"/>
+                <a:latin typeface="Calibri"/>
                 <a:ea typeface="DejaVu Sans"/>
               </a:rPr>
-              <a:t>References</a:t>
+              <a:t>th</a:t>
+            </a:r>
+            <a:r>
+              <a:rPr lang="en-US" sz="2400" b="0" i="1" strike="noStrike" spc="-1" dirty="0" smtClean="0">
+                <a:solidFill>
+                  <a:srgbClr val="1F4E79"/>
+                </a:solidFill>
+                <a:uFill>
+                  <a:solidFill>
+                    <a:srgbClr val="FFFFFF"/>
+                  </a:solidFill>
+                </a:uFill>
+                <a:latin typeface="Calibri"/>
+                <a:ea typeface="DejaVu Sans"/>
+              </a:rPr>
+              <a:t> 2018</a:t>
             </a:r>
             <a:endParaRPr lang="en-US" sz="1800" b="0" strike="noStrike" spc="-1" dirty="0">
               <a:solidFill>
@@ -4726,241 +4634,6 @@
               </a:uFill>
               <a:latin typeface="Arial"/>
             </a:endParaRPr>
-          </a:p>
-        </p:txBody>
-      </p:sp>
-      <p:sp>
-        <p:nvSpPr>
-          <p:cNvPr id="129" name="CustomShape 2"/>
-          <p:cNvSpPr/>
-          <p:nvPr/>
-        </p:nvSpPr>
-        <p:spPr>
-          <a:xfrm>
-            <a:off x="600120" y="1105355"/>
-            <a:ext cx="8172000" cy="1393200"/>
-          </a:xfrm>
-          <a:prstGeom prst="rect">
-            <a:avLst/>
-          </a:prstGeom>
-          <a:noFill/>
-          <a:ln>
-            <a:noFill/>
-          </a:ln>
-        </p:spPr>
-        <p:style>
-          <a:lnRef idx="0">
-            <a:scrgbClr r="0" g="0" b="0"/>
-          </a:lnRef>
-          <a:fillRef idx="0">
-            <a:scrgbClr r="0" g="0" b="0"/>
-          </a:fillRef>
-          <a:effectRef idx="0">
-            <a:scrgbClr r="0" g="0" b="0"/>
-          </a:effectRef>
-          <a:fontRef idx="minor"/>
-        </p:style>
-        <p:txBody>
-          <a:bodyPr lIns="90000" tIns="45000" rIns="90000" bIns="45000"/>
-          <a:lstStyle/>
-          <a:p>
-            <a:pPr lvl="0"/>
-            <a:r>
-              <a:rPr lang="en-US" sz="1400" dirty="0" err="1"/>
-              <a:t>Onegreenplanet.org</a:t>
-            </a:r>
-            <a:r>
-              <a:rPr lang="en-US" sz="1400" dirty="0"/>
-              <a:t> Animals and nature. Retrieved February 23, 2018. </a:t>
-            </a:r>
-            <a:r>
-              <a:rPr lang="en-US" sz="1400" dirty="0">
-                <a:hlinkClick r:id="rId2"/>
-              </a:rPr>
-              <a:t>https://www.onegreenplanet.org/animalsa ndnature/the-disappearing-bees-andwhat-you-can-do-to-help/</a:t>
-            </a:r>
-            <a:r>
-              <a:rPr lang="es-CO" sz="1400" dirty="0">
-                <a:hlinkClick r:id="rId2"/>
-              </a:rPr>
-              <a:t> </a:t>
-            </a:r>
-            <a:endParaRPr lang="es-CO" sz="1400" dirty="0" smtClean="0"/>
-          </a:p>
-          <a:p>
-            <a:pPr lvl="0"/>
-            <a:endParaRPr lang="en-US" sz="1400" dirty="0"/>
-          </a:p>
-          <a:p>
-            <a:pPr lvl="0"/>
-            <a:r>
-              <a:rPr lang="en-US" sz="1400" dirty="0" err="1"/>
-              <a:t>Sos-bees.org</a:t>
-            </a:r>
-            <a:r>
-              <a:rPr lang="en-US" sz="1400" dirty="0"/>
-              <a:t> Solutions. Retrieved February 23, 2018. </a:t>
-            </a:r>
-            <a:br>
-              <a:rPr lang="en-US" sz="1400" dirty="0"/>
-            </a:br>
-            <a:r>
-              <a:rPr lang="en-US" sz="1400" dirty="0">
-                <a:hlinkClick r:id="rId3"/>
-              </a:rPr>
-              <a:t>http://sos-bees.org/solutions/</a:t>
-            </a:r>
-            <a:r>
-              <a:rPr lang="es-CO" sz="1400" dirty="0">
-                <a:hlinkClick r:id="rId3"/>
-              </a:rPr>
-              <a:t> </a:t>
-            </a:r>
-            <a:endParaRPr lang="es-CO" sz="1400" dirty="0" smtClean="0"/>
-          </a:p>
-          <a:p>
-            <a:pPr lvl="0"/>
-            <a:endParaRPr lang="en-US" sz="1400" dirty="0"/>
-          </a:p>
-          <a:p>
-            <a:pPr lvl="0"/>
-            <a:r>
-              <a:rPr lang="en-US" sz="1400" dirty="0" err="1"/>
-              <a:t>Euclideanspace.com</a:t>
-            </a:r>
-            <a:r>
-              <a:rPr lang="en-US" sz="1400" dirty="0"/>
-              <a:t> Bounding boxes. Retrieved February 23, 2018 </a:t>
-            </a:r>
-            <a:r>
-              <a:rPr lang="en-US" sz="1400" dirty="0">
-                <a:hlinkClick r:id="rId4"/>
-              </a:rPr>
-              <a:t>http://www.euclideanspace.com/threed/animation/collisiondetect/index.htm</a:t>
-            </a:r>
-            <a:r>
-              <a:rPr lang="es-CO" sz="1400" dirty="0">
-                <a:hlinkClick r:id="rId4"/>
-              </a:rPr>
-              <a:t> </a:t>
-            </a:r>
-            <a:endParaRPr lang="es-CO" sz="1400" dirty="0" smtClean="0"/>
-          </a:p>
-          <a:p>
-            <a:pPr lvl="0"/>
-            <a:endParaRPr lang="en-US" sz="1400" dirty="0"/>
-          </a:p>
-          <a:p>
-            <a:pPr lvl="0"/>
-            <a:r>
-              <a:rPr lang="en-US" sz="1400" dirty="0"/>
-              <a:t>Wikipedia. sweep and prune. Retrieved February 23, 2018        </a:t>
-            </a:r>
-            <a:r>
-              <a:rPr lang="en-US" sz="1400" dirty="0">
-                <a:hlinkClick r:id="rId5"/>
-              </a:rPr>
-              <a:t>https://en.wikipedia.org/wiki/Sweep_and_p</a:t>
-            </a:r>
-            <a:r>
-              <a:rPr lang="en-US" sz="1400" u="sng" dirty="0"/>
-              <a:t/>
-            </a:r>
-            <a:br>
-              <a:rPr lang="en-US" sz="1400" u="sng" dirty="0"/>
-            </a:br>
-            <a:r>
-              <a:rPr lang="en-US" sz="1400" dirty="0">
-                <a:hlinkClick r:id="rId5"/>
-              </a:rPr>
-              <a:t>rune</a:t>
-            </a:r>
-            <a:r>
-              <a:rPr lang="es-CO" sz="1400" dirty="0">
-                <a:hlinkClick r:id="rId5"/>
-              </a:rPr>
-              <a:t> </a:t>
-            </a:r>
-            <a:r>
-              <a:rPr lang="es-CO" sz="1400" dirty="0"/>
-              <a:t> </a:t>
-            </a:r>
-            <a:endParaRPr lang="es-CO" sz="1400" dirty="0" smtClean="0"/>
-          </a:p>
-          <a:p>
-            <a:pPr lvl="0"/>
-            <a:endParaRPr lang="en-US" sz="1400" dirty="0"/>
-          </a:p>
-          <a:p>
-            <a:pPr lvl="0"/>
-            <a:r>
-              <a:rPr lang="en-US" sz="1400" dirty="0"/>
-              <a:t>Moodle2015-16.ua.es. Videojuegos2.</a:t>
-            </a:r>
-            <a:br>
-              <a:rPr lang="en-US" sz="1400" dirty="0"/>
-            </a:br>
-            <a:r>
-              <a:rPr lang="en-US" sz="1400" dirty="0" err="1"/>
-              <a:t>Deteccion</a:t>
-            </a:r>
-            <a:r>
-              <a:rPr lang="en-US" sz="1400" dirty="0"/>
-              <a:t> de </a:t>
-            </a:r>
-            <a:r>
-              <a:rPr lang="en-US" sz="1400" dirty="0" err="1"/>
-              <a:t>colisiones</a:t>
-            </a:r>
-            <a:r>
-              <a:rPr lang="en-US" sz="1400" dirty="0"/>
-              <a:t> retrieved February 23 2018 </a:t>
-            </a:r>
-            <a:r>
-              <a:rPr lang="en-US" sz="1400" dirty="0">
-                <a:hlinkClick r:id="rId6"/>
-              </a:rPr>
-              <a:t>https://moodle201516.ua.es/moodle/pluginfile.php/12368/mod_resource/content/3/vii-07-colisiones.pdf</a:t>
-            </a:r>
-            <a:r>
-              <a:rPr lang="es-CO" sz="1400" dirty="0">
-                <a:hlinkClick r:id="rId6"/>
-              </a:rPr>
-              <a:t> </a:t>
-            </a:r>
-            <a:endParaRPr lang="es-CO" sz="1400" dirty="0" smtClean="0"/>
-          </a:p>
-          <a:p>
-            <a:pPr lvl="0"/>
-            <a:endParaRPr lang="en-US" sz="1400" dirty="0"/>
-          </a:p>
-          <a:p>
-            <a:pPr lvl="0"/>
-            <a:r>
-              <a:rPr lang="en-US" sz="1400" dirty="0" err="1"/>
-              <a:t>buildnewgames.com</a:t>
-            </a:r>
-            <a:r>
-              <a:rPr lang="en-US" sz="1400" dirty="0"/>
-              <a:t> . Broad Phase Collision Detection Using Spatial Partitioning retrieved February 23, 2018 </a:t>
-            </a:r>
-            <a:r>
-              <a:rPr lang="en-US" sz="1400" dirty="0">
-                <a:hlinkClick r:id="rId7"/>
-              </a:rPr>
-              <a:t>http://buildnewgames.com/broad-phasecollision-detection/</a:t>
-            </a:r>
-            <a:r>
-              <a:rPr lang="es-CO" sz="1400" dirty="0">
-                <a:hlinkClick r:id="rId7"/>
-              </a:rPr>
-              <a:t> </a:t>
-            </a:r>
-            <a:r>
-              <a:rPr lang="es-CO" sz="1400" dirty="0"/>
-              <a:t> </a:t>
-            </a:r>
-            <a:endParaRPr lang="en-US" sz="1400" dirty="0"/>
           </a:p>
         </p:txBody>
       </p:sp>
@@ -5983,22 +5656,7 @@
                 <a:latin typeface="Arial"/>
                 <a:ea typeface="Noto Sans CJK SC Regular"/>
               </a:rPr>
-              <a:t>Figure </a:t>
-            </a:r>
-            <a:r>
-              <a:rPr lang="en-US" sz="1600" b="1" strike="noStrike" spc="-1" dirty="0" smtClean="0">
-                <a:solidFill>
-                  <a:srgbClr val="000000"/>
-                </a:solidFill>
-                <a:uFill>
-                  <a:solidFill>
-                    <a:srgbClr val="FFFFFF"/>
-                  </a:solidFill>
-                </a:uFill>
-                <a:latin typeface="Arial"/>
-                <a:ea typeface="Noto Sans CJK SC Regular"/>
-              </a:rPr>
-              <a:t>4: </a:t>
+              <a:t>Figure 4: </a:t>
             </a:r>
             <a:r>
               <a:rPr lang="en-US" sz="1600" b="1" strike="noStrike" spc="-1" smtClean="0">
@@ -6288,7 +5946,7 @@
           <p:nvPr>
             <p:extLst>
               <p:ext uri="{D42A27DB-BD31-4B8C-83A1-F6EECF244321}">
-                <p14:modId xmlns:p14="http://schemas.microsoft.com/office/powerpoint/2010/main" val="1110268762"/>
+                <p14:modId xmlns:p14="http://schemas.microsoft.com/office/powerpoint/2010/main" val="513882962"/>
               </p:ext>
             </p:extLst>
           </p:nvPr>
@@ -6512,10 +6170,22 @@
                         </a:spcAft>
                       </a:pPr>
                       <a:r>
-                        <a:rPr lang="en-US" sz="1500" kern="50" dirty="0">
-                          <a:effectLst/>
-                        </a:rPr>
-                        <a:t>O(n)</a:t>
+                        <a:rPr lang="en-US" sz="1500" kern="50" dirty="0" smtClean="0">
+                          <a:effectLst/>
+                        </a:rPr>
+                        <a:t>O(mlog</a:t>
+                      </a:r>
+                      <a:r>
+                        <a:rPr lang="en-US" sz="1000" kern="50" dirty="0" smtClean="0">
+                          <a:effectLst/>
+                        </a:rPr>
+                        <a:t>4</a:t>
+                      </a:r>
+                      <a:r>
+                        <a:rPr lang="en-US" sz="1500" kern="50" dirty="0" smtClean="0">
+                          <a:effectLst/>
+                        </a:rPr>
+                        <a:t>(n))</a:t>
                       </a:r>
                       <a:endParaRPr lang="en-US" sz="1500" dirty="0">
                         <a:effectLst/>
@@ -6563,724 +6233,6 @@
       </p:grpSpPr>
       <p:sp>
         <p:nvSpPr>
-          <p:cNvPr id="103" name="CustomShape 1"/>
-          <p:cNvSpPr/>
-          <p:nvPr/>
-        </p:nvSpPr>
-        <p:spPr>
-          <a:xfrm>
-            <a:off x="357840" y="433080"/>
-            <a:ext cx="7885080" cy="613800"/>
-          </a:xfrm>
-          <a:prstGeom prst="rect">
-            <a:avLst/>
-          </a:prstGeom>
-          <a:noFill/>
-          <a:ln>
-            <a:noFill/>
-          </a:ln>
-        </p:spPr>
-        <p:style>
-          <a:lnRef idx="0">
-            <a:scrgbClr r="0" g="0" b="0"/>
-          </a:lnRef>
-          <a:fillRef idx="0">
-            <a:scrgbClr r="0" g="0" b="0"/>
-          </a:fillRef>
-          <a:effectRef idx="0">
-            <a:scrgbClr r="0" g="0" b="0"/>
-          </a:effectRef>
-          <a:fontRef idx="minor"/>
-        </p:style>
-        <p:txBody>
-          <a:bodyPr lIns="90000" tIns="45000" rIns="90000" bIns="45000" anchor="ctr"/>
-          <a:lstStyle/>
-          <a:p>
-            <a:pPr>
-              <a:lnSpc>
-                <a:spcPct val="90000"/>
-              </a:lnSpc>
-            </a:pPr>
-            <a:r>
-              <a:rPr lang="en-US" sz="2800" b="1" i="1" strike="noStrike" spc="-1">
-                <a:solidFill>
-                  <a:srgbClr val="333F4F"/>
-                </a:solidFill>
-                <a:uFill>
-                  <a:solidFill>
-                    <a:srgbClr val="FFFFFF"/>
-                  </a:solidFill>
-                </a:uFill>
-                <a:latin typeface="Arial"/>
-                <a:ea typeface="DejaVu Sans"/>
-              </a:rPr>
-              <a:t>Design Criteria of the Data Structure</a:t>
-            </a:r>
-            <a:endParaRPr lang="en-US" sz="1800" b="0" strike="noStrike" spc="-1">
-              <a:solidFill>
-                <a:srgbClr val="000000"/>
-              </a:solidFill>
-              <a:uFill>
-                <a:solidFill>
-                  <a:srgbClr val="FFFFFF"/>
-                </a:solidFill>
-              </a:uFill>
-              <a:latin typeface="Arial"/>
-            </a:endParaRPr>
-          </a:p>
-        </p:txBody>
-      </p:sp>
-      <p:sp>
-        <p:nvSpPr>
-          <p:cNvPr id="104" name="CustomShape 2"/>
-          <p:cNvSpPr/>
-          <p:nvPr/>
-        </p:nvSpPr>
-        <p:spPr>
-          <a:xfrm>
-            <a:off x="700560" y="1488600"/>
-            <a:ext cx="7885080" cy="2392920"/>
-          </a:xfrm>
-          <a:prstGeom prst="rect">
-            <a:avLst/>
-          </a:prstGeom>
-          <a:noFill/>
-          <a:ln>
-            <a:noFill/>
-          </a:ln>
-        </p:spPr>
-        <p:style>
-          <a:lnRef idx="0">
-            <a:scrgbClr r="0" g="0" b="0"/>
-          </a:lnRef>
-          <a:fillRef idx="0">
-            <a:scrgbClr r="0" g="0" b="0"/>
-          </a:fillRef>
-          <a:effectRef idx="0">
-            <a:scrgbClr r="0" g="0" b="0"/>
-          </a:effectRef>
-          <a:fontRef idx="minor"/>
-        </p:style>
-        <p:txBody>
-          <a:bodyPr lIns="90000" tIns="45000" rIns="90000" bIns="45000"/>
-          <a:lstStyle/>
-          <a:p>
-            <a:pPr marL="285840" indent="-285480" algn="just">
-              <a:lnSpc>
-                <a:spcPct val="100000"/>
-              </a:lnSpc>
-              <a:buClr>
-                <a:srgbClr val="000000"/>
-              </a:buClr>
-              <a:buSzPct val="45000"/>
-              <a:buFont typeface="Wingdings" charset="2"/>
-              <a:buChar char=""/>
-            </a:pPr>
-            <a:r>
-              <a:rPr lang="en-US" sz="2000" b="0" strike="noStrike" spc="-1">
-                <a:solidFill>
-                  <a:srgbClr val="000000"/>
-                </a:solidFill>
-                <a:uFill>
-                  <a:solidFill>
-                    <a:srgbClr val="FFFFFF"/>
-                  </a:solidFill>
-                </a:uFill>
-                <a:latin typeface="Arial"/>
-                <a:ea typeface="DejaVu Sans"/>
-              </a:rPr>
-              <a:t>To solve the problem, we should used, extensively, the delete operation of the first and last element.</a:t>
-            </a:r>
-            <a:endParaRPr lang="en-US" sz="1800" b="0" strike="noStrike" spc="-1">
-              <a:solidFill>
-                <a:srgbClr val="000000"/>
-              </a:solidFill>
-              <a:uFill>
-                <a:solidFill>
-                  <a:srgbClr val="FFFFFF"/>
-                </a:solidFill>
-              </a:uFill>
-              <a:latin typeface="Arial"/>
-            </a:endParaRPr>
-          </a:p>
-          <a:p>
-            <a:pPr algn="just">
-              <a:lnSpc>
-                <a:spcPct val="100000"/>
-              </a:lnSpc>
-            </a:pPr>
-            <a:endParaRPr lang="en-US" sz="1800" b="0" strike="noStrike" spc="-1">
-              <a:solidFill>
-                <a:srgbClr val="000000"/>
-              </a:solidFill>
-              <a:uFill>
-                <a:solidFill>
-                  <a:srgbClr val="FFFFFF"/>
-                </a:solidFill>
-              </a:uFill>
-              <a:latin typeface="Arial"/>
-            </a:endParaRPr>
-          </a:p>
-          <a:p>
-            <a:pPr marL="285840" indent="-285480" algn="just">
-              <a:lnSpc>
-                <a:spcPct val="100000"/>
-              </a:lnSpc>
-              <a:buClr>
-                <a:srgbClr val="000000"/>
-              </a:buClr>
-              <a:buSzPct val="45000"/>
-              <a:buFont typeface="Wingdings" charset="2"/>
-              <a:buChar char=""/>
-            </a:pPr>
-            <a:r>
-              <a:rPr lang="en-US" sz="2000" b="0" strike="noStrike" spc="-1">
-                <a:solidFill>
-                  <a:srgbClr val="000000"/>
-                </a:solidFill>
-                <a:uFill>
-                  <a:solidFill>
-                    <a:srgbClr val="FFFFFF"/>
-                  </a:solidFill>
-                </a:uFill>
-                <a:latin typeface="Arial"/>
-                <a:ea typeface="DejaVu Sans"/>
-              </a:rPr>
-              <a:t>The delete operation in a Linked List, for the first and last element, has a time complexity of O(1).</a:t>
-            </a:r>
-            <a:endParaRPr lang="en-US" sz="1800" b="0" strike="noStrike" spc="-1">
-              <a:solidFill>
-                <a:srgbClr val="000000"/>
-              </a:solidFill>
-              <a:uFill>
-                <a:solidFill>
-                  <a:srgbClr val="FFFFFF"/>
-                </a:solidFill>
-              </a:uFill>
-              <a:latin typeface="Arial"/>
-            </a:endParaRPr>
-          </a:p>
-          <a:p>
-            <a:pPr algn="just">
-              <a:lnSpc>
-                <a:spcPct val="100000"/>
-              </a:lnSpc>
-            </a:pPr>
-            <a:endParaRPr lang="en-US" sz="1800" b="0" strike="noStrike" spc="-1">
-              <a:solidFill>
-                <a:srgbClr val="000000"/>
-              </a:solidFill>
-              <a:uFill>
-                <a:solidFill>
-                  <a:srgbClr val="FFFFFF"/>
-                </a:solidFill>
-              </a:uFill>
-              <a:latin typeface="Arial"/>
-            </a:endParaRPr>
-          </a:p>
-          <a:p>
-            <a:pPr marL="285840" indent="-285480" algn="just">
-              <a:lnSpc>
-                <a:spcPct val="100000"/>
-              </a:lnSpc>
-              <a:buClr>
-                <a:srgbClr val="000000"/>
-              </a:buClr>
-              <a:buSzPct val="45000"/>
-              <a:buFont typeface="Wingdings" charset="2"/>
-              <a:buChar char=""/>
-            </a:pPr>
-            <a:r>
-              <a:rPr lang="en-US" sz="2000" b="0" strike="noStrike" spc="-1">
-                <a:solidFill>
-                  <a:srgbClr val="000000"/>
-                </a:solidFill>
-                <a:uFill>
-                  <a:solidFill>
-                    <a:srgbClr val="FFFFFF"/>
-                  </a:solidFill>
-                </a:uFill>
-                <a:latin typeface="Arial"/>
-                <a:ea typeface="DejaVu Sans"/>
-              </a:rPr>
-              <a:t>The delete operation has a memory complexity of O(1).</a:t>
-            </a:r>
-            <a:endParaRPr lang="en-US" sz="1800" b="0" strike="noStrike" spc="-1">
-              <a:solidFill>
-                <a:srgbClr val="000000"/>
-              </a:solidFill>
-              <a:uFill>
-                <a:solidFill>
-                  <a:srgbClr val="FFFFFF"/>
-                </a:solidFill>
-              </a:uFill>
-              <a:latin typeface="Arial"/>
-            </a:endParaRPr>
-          </a:p>
-          <a:p>
-            <a:pPr marL="285840" indent="-285480" algn="just">
-              <a:lnSpc>
-                <a:spcPct val="100000"/>
-              </a:lnSpc>
-              <a:buClr>
-                <a:srgbClr val="000000"/>
-              </a:buClr>
-              <a:buSzPct val="45000"/>
-              <a:buFont typeface="Wingdings" charset="2"/>
-              <a:buChar char=""/>
-            </a:pPr>
-            <a:endParaRPr lang="en-US" sz="1800" b="0" strike="noStrike" spc="-1">
-              <a:solidFill>
-                <a:srgbClr val="000000"/>
-              </a:solidFill>
-              <a:uFill>
-                <a:solidFill>
-                  <a:srgbClr val="FFFFFF"/>
-                </a:solidFill>
-              </a:uFill>
-              <a:latin typeface="Arial"/>
-            </a:endParaRPr>
-          </a:p>
-          <a:p>
-            <a:pPr marL="285840" indent="-285480" algn="just">
-              <a:lnSpc>
-                <a:spcPct val="100000"/>
-              </a:lnSpc>
-              <a:buClr>
-                <a:srgbClr val="000000"/>
-              </a:buClr>
-              <a:buSzPct val="45000"/>
-              <a:buFont typeface="Wingdings" charset="2"/>
-              <a:buChar char=""/>
-            </a:pPr>
-            <a:r>
-              <a:rPr lang="en-US" sz="2000" b="0" strike="noStrike" spc="-1">
-                <a:solidFill>
-                  <a:srgbClr val="000000"/>
-                </a:solidFill>
-                <a:uFill>
-                  <a:solidFill>
-                    <a:srgbClr val="FFFFFF"/>
-                  </a:solidFill>
-                </a:uFill>
-                <a:latin typeface="Arial"/>
-                <a:ea typeface="DejaVu Sans"/>
-              </a:rPr>
-              <a:t>The delete operation of a linked list is, therefore, efficient to solve the problem.</a:t>
-            </a:r>
-            <a:endParaRPr lang="en-US" sz="1800" b="0" strike="noStrike" spc="-1">
-              <a:solidFill>
-                <a:srgbClr val="000000"/>
-              </a:solidFill>
-              <a:uFill>
-                <a:solidFill>
-                  <a:srgbClr val="FFFFFF"/>
-                </a:solidFill>
-              </a:uFill>
-              <a:latin typeface="Arial"/>
-            </a:endParaRPr>
-          </a:p>
-        </p:txBody>
-      </p:sp>
-      <p:sp>
-        <p:nvSpPr>
-          <p:cNvPr id="105" name="CustomShape 3"/>
-          <p:cNvSpPr/>
-          <p:nvPr/>
-        </p:nvSpPr>
-        <p:spPr>
-          <a:xfrm>
-            <a:off x="357840" y="485280"/>
-            <a:ext cx="8120880" cy="536040"/>
-          </a:xfrm>
-          <a:prstGeom prst="rect">
-            <a:avLst/>
-          </a:prstGeom>
-          <a:noFill/>
-          <a:ln w="76320">
-            <a:solidFill>
-              <a:srgbClr val="FF0000"/>
-            </a:solidFill>
-            <a:round/>
-          </a:ln>
-        </p:spPr>
-        <p:style>
-          <a:lnRef idx="2">
-            <a:schemeClr val="accent1">
-              <a:shade val="50000"/>
-            </a:schemeClr>
-          </a:lnRef>
-          <a:fillRef idx="1">
-            <a:schemeClr val="accent1"/>
-          </a:fillRef>
-          <a:effectRef idx="0">
-            <a:schemeClr val="accent1"/>
-          </a:effectRef>
-          <a:fontRef idx="minor"/>
-        </p:style>
-      </p:sp>
-      <p:sp>
-        <p:nvSpPr>
-          <p:cNvPr id="106" name="CustomShape 4"/>
-          <p:cNvSpPr/>
-          <p:nvPr/>
-        </p:nvSpPr>
-        <p:spPr>
-          <a:xfrm>
-            <a:off x="1993680" y="1036440"/>
-            <a:ext cx="887760" cy="255960"/>
-          </a:xfrm>
-          <a:custGeom>
-            <a:avLst/>
-            <a:gdLst/>
-            <a:ahLst/>
-            <a:cxnLst/>
-            <a:rect l="l" t="t" r="r" b="b"/>
-            <a:pathLst>
-              <a:path w="21600" h="21600">
-                <a:moveTo>
-                  <a:pt x="0" y="0"/>
-                </a:moveTo>
-                <a:lnTo>
-                  <a:pt x="21600" y="21600"/>
-                </a:lnTo>
-              </a:path>
-            </a:pathLst>
-          </a:custGeom>
-          <a:noFill/>
-          <a:ln w="76320">
-            <a:solidFill>
-              <a:srgbClr val="FF0000"/>
-            </a:solidFill>
-            <a:round/>
-            <a:tailEnd type="triangle" w="med" len="med"/>
-          </a:ln>
-        </p:spPr>
-        <p:style>
-          <a:lnRef idx="1">
-            <a:schemeClr val="accent1"/>
-          </a:lnRef>
-          <a:fillRef idx="0">
-            <a:schemeClr val="accent1"/>
-          </a:fillRef>
-          <a:effectRef idx="0">
-            <a:schemeClr val="accent1"/>
-          </a:effectRef>
-          <a:fontRef idx="minor"/>
-        </p:style>
-      </p:sp>
-      <p:sp>
-        <p:nvSpPr>
-          <p:cNvPr id="107" name="CustomShape 5"/>
-          <p:cNvSpPr/>
-          <p:nvPr/>
-        </p:nvSpPr>
-        <p:spPr>
-          <a:xfrm>
-            <a:off x="2660040" y="1164600"/>
-            <a:ext cx="2464920" cy="303480"/>
-          </a:xfrm>
-          <a:prstGeom prst="rect">
-            <a:avLst/>
-          </a:prstGeom>
-          <a:noFill/>
-          <a:ln>
-            <a:noFill/>
-          </a:ln>
-        </p:spPr>
-        <p:style>
-          <a:lnRef idx="0">
-            <a:scrgbClr r="0" g="0" b="0"/>
-          </a:lnRef>
-          <a:fillRef idx="0">
-            <a:scrgbClr r="0" g="0" b="0"/>
-          </a:fillRef>
-          <a:effectRef idx="0">
-            <a:scrgbClr r="0" g="0" b="0"/>
-          </a:effectRef>
-          <a:fontRef idx="minor"/>
-        </p:style>
-        <p:txBody>
-          <a:bodyPr lIns="90000" tIns="45000" rIns="90000" bIns="45000"/>
-          <a:lstStyle/>
-          <a:p>
-            <a:pPr algn="ctr">
-              <a:lnSpc>
-                <a:spcPct val="100000"/>
-              </a:lnSpc>
-            </a:pPr>
-            <a:r>
-              <a:rPr lang="en-US" sz="1400" b="0" i="1" strike="noStrike" spc="-1">
-                <a:solidFill>
-                  <a:srgbClr val="FF0000"/>
-                </a:solidFill>
-                <a:uFill>
-                  <a:solidFill>
-                    <a:srgbClr val="FFFFFF"/>
-                  </a:solidFill>
-                </a:uFill>
-                <a:latin typeface="Arial"/>
-                <a:ea typeface="DejaVu Sans"/>
-              </a:rPr>
-              <a:t>Keep this title</a:t>
-            </a:r>
-            <a:endParaRPr lang="en-US" sz="1800" b="0" strike="noStrike" spc="-1">
-              <a:solidFill>
-                <a:srgbClr val="000000"/>
-              </a:solidFill>
-              <a:uFill>
-                <a:solidFill>
-                  <a:srgbClr val="FFFFFF"/>
-                </a:solidFill>
-              </a:uFill>
-              <a:latin typeface="Arial"/>
-            </a:endParaRPr>
-          </a:p>
-        </p:txBody>
-      </p:sp>
-      <p:sp>
-        <p:nvSpPr>
-          <p:cNvPr id="108" name="CustomShape 6"/>
-          <p:cNvSpPr/>
-          <p:nvPr/>
-        </p:nvSpPr>
-        <p:spPr>
-          <a:xfrm>
-            <a:off x="357840" y="1472400"/>
-            <a:ext cx="8120880" cy="3547800"/>
-          </a:xfrm>
-          <a:prstGeom prst="rect">
-            <a:avLst/>
-          </a:prstGeom>
-          <a:noFill/>
-          <a:ln w="76320">
-            <a:solidFill>
-              <a:srgbClr val="FF0000"/>
-            </a:solidFill>
-            <a:round/>
-          </a:ln>
-        </p:spPr>
-        <p:style>
-          <a:lnRef idx="2">
-            <a:schemeClr val="accent1">
-              <a:shade val="50000"/>
-            </a:schemeClr>
-          </a:lnRef>
-          <a:fillRef idx="1">
-            <a:schemeClr val="accent1"/>
-          </a:fillRef>
-          <a:effectRef idx="0">
-            <a:schemeClr val="accent1"/>
-          </a:effectRef>
-          <a:fontRef idx="minor"/>
-        </p:style>
-      </p:sp>
-      <p:sp>
-        <p:nvSpPr>
-          <p:cNvPr id="109" name="CustomShape 7"/>
-          <p:cNvSpPr/>
-          <p:nvPr/>
-        </p:nvSpPr>
-        <p:spPr>
-          <a:xfrm>
-            <a:off x="5479560" y="5109120"/>
-            <a:ext cx="3119040" cy="515880"/>
-          </a:xfrm>
-          <a:prstGeom prst="rect">
-            <a:avLst/>
-          </a:prstGeom>
-          <a:noFill/>
-          <a:ln>
-            <a:noFill/>
-          </a:ln>
-        </p:spPr>
-        <p:style>
-          <a:lnRef idx="0">
-            <a:scrgbClr r="0" g="0" b="0"/>
-          </a:lnRef>
-          <a:fillRef idx="0">
-            <a:scrgbClr r="0" g="0" b="0"/>
-          </a:fillRef>
-          <a:effectRef idx="0">
-            <a:scrgbClr r="0" g="0" b="0"/>
-          </a:effectRef>
-          <a:fontRef idx="minor"/>
-        </p:style>
-        <p:txBody>
-          <a:bodyPr lIns="90000" tIns="45000" rIns="90000" bIns="45000"/>
-          <a:lstStyle/>
-          <a:p>
-            <a:pPr algn="ctr">
-              <a:lnSpc>
-                <a:spcPct val="100000"/>
-              </a:lnSpc>
-            </a:pPr>
-            <a:r>
-              <a:rPr lang="en-US" sz="1400" b="0" i="1" strike="noStrike" spc="-1">
-                <a:solidFill>
-                  <a:srgbClr val="FF0000"/>
-                </a:solidFill>
-                <a:uFill>
-                  <a:solidFill>
-                    <a:srgbClr val="FFFFFF"/>
-                  </a:solidFill>
-                </a:uFill>
-                <a:latin typeface="Arial"/>
-                <a:ea typeface="DejaVu Sans"/>
-              </a:rPr>
-              <a:t>Include your own figures and</a:t>
-            </a:r>
-            <a:endParaRPr lang="en-US" sz="1800" b="0" strike="noStrike" spc="-1">
-              <a:solidFill>
-                <a:srgbClr val="000000"/>
-              </a:solidFill>
-              <a:uFill>
-                <a:solidFill>
-                  <a:srgbClr val="FFFFFF"/>
-                </a:solidFill>
-              </a:uFill>
-              <a:latin typeface="Arial"/>
-            </a:endParaRPr>
-          </a:p>
-          <a:p>
-            <a:pPr algn="ctr">
-              <a:lnSpc>
-                <a:spcPct val="100000"/>
-              </a:lnSpc>
-            </a:pPr>
-            <a:r>
-              <a:rPr lang="en-US" sz="1400" b="0" i="1" strike="noStrike" spc="-1">
-                <a:solidFill>
-                  <a:srgbClr val="FF0000"/>
-                </a:solidFill>
-                <a:uFill>
-                  <a:solidFill>
-                    <a:srgbClr val="FFFFFF"/>
-                  </a:solidFill>
-                </a:uFill>
-                <a:latin typeface="Arial"/>
-                <a:ea typeface="DejaVu Sans"/>
-              </a:rPr>
-              <a:t>explanations</a:t>
-            </a:r>
-            <a:endParaRPr lang="en-US" sz="1800" b="0" strike="noStrike" spc="-1">
-              <a:solidFill>
-                <a:srgbClr val="000000"/>
-              </a:solidFill>
-              <a:uFill>
-                <a:solidFill>
-                  <a:srgbClr val="FFFFFF"/>
-                </a:solidFill>
-              </a:uFill>
-              <a:latin typeface="Arial"/>
-            </a:endParaRPr>
-          </a:p>
-        </p:txBody>
-      </p:sp>
-      <p:sp>
-        <p:nvSpPr>
-          <p:cNvPr id="110" name="CustomShape 8"/>
-          <p:cNvSpPr/>
-          <p:nvPr/>
-        </p:nvSpPr>
-        <p:spPr>
-          <a:xfrm>
-            <a:off x="4912920" y="5028120"/>
-            <a:ext cx="594000" cy="299520"/>
-          </a:xfrm>
-          <a:custGeom>
-            <a:avLst/>
-            <a:gdLst/>
-            <a:ahLst/>
-            <a:cxnLst/>
-            <a:rect l="l" t="t" r="r" b="b"/>
-            <a:pathLst>
-              <a:path w="21600" h="21600">
-                <a:moveTo>
-                  <a:pt x="0" y="0"/>
-                </a:moveTo>
-                <a:lnTo>
-                  <a:pt x="21600" y="21600"/>
-                </a:lnTo>
-              </a:path>
-            </a:pathLst>
-          </a:custGeom>
-          <a:noFill/>
-          <a:ln w="76320">
-            <a:solidFill>
-              <a:srgbClr val="FF0000"/>
-            </a:solidFill>
-            <a:round/>
-            <a:tailEnd type="triangle" w="med" len="med"/>
-          </a:ln>
-        </p:spPr>
-        <p:style>
-          <a:lnRef idx="1">
-            <a:schemeClr val="accent1"/>
-          </a:lnRef>
-          <a:fillRef idx="0">
-            <a:schemeClr val="accent1"/>
-          </a:fillRef>
-          <a:effectRef idx="0">
-            <a:schemeClr val="accent1"/>
-          </a:effectRef>
-          <a:fontRef idx="minor"/>
-        </p:style>
-      </p:sp>
-    </p:spTree>
-  </p:cSld>
-  <p:clrMapOvr>
-    <a:masterClrMapping/>
-  </p:clrMapOvr>
-  <p:timing>
-    <p:tnLst>
-      <p:par>
-        <p:cTn id="1" dur="indefinite" restart="never" nodeType="tmRoot">
-          <p:childTnLst>
-            <p:seq>
-              <p:cTn id="2" nodeType="mainSeq"/>
-              <p:prevCondLst>
-                <p:cond evt="onPrev" delay="0">
-                  <p:tgtEl>
-                    <p:sldTgt/>
-                  </p:tgtEl>
-                </p:cond>
-              </p:prevCondLst>
-              <p:nextCondLst>
-                <p:cond evt="onNext" delay="0">
-                  <p:tgtEl>
-                    <p:sldTgt/>
-                  </p:tgtEl>
-                </p:cond>
-              </p:nextCondLst>
-            </p:seq>
-          </p:childTnLst>
-        </p:cTn>
-      </p:par>
-    </p:tnLst>
-  </p:timing>
-</p:sld>
-</file>
-
-<file path=ppt/slides/slide8.xml><?xml version="1.0" encoding="utf-8"?>
-<p:sld xmlns:a="http://schemas.openxmlformats.org/drawingml/2006/main" xmlns:r="http://schemas.openxmlformats.org/officeDocument/2006/relationships" xmlns:p="http://schemas.openxmlformats.org/presentationml/2006/main">
-  <p:cSld>
-    <p:spTree>
-      <p:nvGrpSpPr>
-        <p:cNvPr id="1" name=""/>
-        <p:cNvGrpSpPr/>
-        <p:nvPr/>
-      </p:nvGrpSpPr>
-      <p:grpSpPr>
-        <a:xfrm>
-          <a:off x="0" y="0"/>
-          <a:ext cx="0" cy="0"/>
-          <a:chOff x="0" y="0"/>
-          <a:chExt cx="0" cy="0"/>
-        </a:xfrm>
-      </p:grpSpPr>
-      <p:sp>
-        <p:nvSpPr>
           <p:cNvPr id="111" name="CustomShape 1"/>
           <p:cNvSpPr/>
           <p:nvPr/>
@@ -7364,7 +6316,7 @@
         </p:nvGraphicFramePr>
         <p:xfrm>
           <a:off x="704577" y="1378498"/>
-          <a:ext cx="3883751" cy="3441720"/>
+          <a:ext cx="3883751" cy="3470103"/>
         </p:xfrm>
         <a:graphic>
           <a:graphicData uri="http://schemas.openxmlformats.org/drawingml/2006/table">
@@ -8701,7 +7653,7 @@
 </p:sld>
 </file>
 
-<file path=ppt/slides/slide9.xml><?xml version="1.0" encoding="utf-8"?>
+<file path=ppt/slides/slide8.xml><?xml version="1.0" encoding="utf-8"?>
 <p:sld xmlns:a="http://schemas.openxmlformats.org/drawingml/2006/main" xmlns:r="http://schemas.openxmlformats.org/officeDocument/2006/relationships" xmlns:p="http://schemas.openxmlformats.org/presentationml/2006/main">
   <p:cSld>
     <p:spTree>
@@ -8828,7 +7780,7 @@
               </a:lnSpc>
             </a:pPr>
             <a:r>
-              <a:rPr lang="en-US" sz="1600" b="1" strike="noStrike" spc="-1">
+              <a:rPr lang="en-US" sz="1600" b="1" strike="noStrike" spc="-1" dirty="0" smtClean="0">
                 <a:solidFill>
                   <a:srgbClr val="000000"/>
                 </a:solidFill>
@@ -8840,10 +7792,10 @@
                 <a:latin typeface="Arial"/>
                 <a:ea typeface="Noto Sans CJK SC Regular"/>
               </a:rPr>
-              <a:t>Gráfico 4:</a:t>
+              <a:t>Figure 4:</a:t>
             </a:r>
             <a:r>
-              <a:rPr lang="en-US" sz="1600" b="0" strike="noStrike" spc="-1">
+              <a:rPr lang="en-US" sz="1600" b="0" strike="noStrike" spc="-1" dirty="0" smtClean="0">
                 <a:solidFill>
                   <a:srgbClr val="000000"/>
                 </a:solidFill>
@@ -8855,9 +7807,9 @@
                 <a:latin typeface="Arial"/>
                 <a:ea typeface="Noto Sans CJK SC Regular"/>
               </a:rPr>
-              <a:t> Sistema de planificación óptima de domicilios</a:t>
+              <a:t> Results</a:t>
             </a:r>
-            <a:endParaRPr lang="en-US" sz="1800" b="0" strike="noStrike" spc="-1">
+            <a:endParaRPr lang="en-US" sz="1800" b="0" strike="noStrike" spc="-1" dirty="0">
               <a:solidFill>
                 <a:srgbClr val="000000"/>
               </a:solidFill>
@@ -8901,6 +7853,362 @@
           </a:prstGeom>
         </p:spPr>
       </p:pic>
+    </p:spTree>
+  </p:cSld>
+  <p:clrMapOvr>
+    <a:masterClrMapping/>
+  </p:clrMapOvr>
+  <p:timing>
+    <p:tnLst>
+      <p:par>
+        <p:cTn id="1" dur="indefinite" restart="never" nodeType="tmRoot">
+          <p:childTnLst>
+            <p:seq>
+              <p:cTn id="2" nodeType="mainSeq"/>
+              <p:prevCondLst>
+                <p:cond evt="onPrev" delay="0">
+                  <p:tgtEl>
+                    <p:sldTgt/>
+                  </p:tgtEl>
+                </p:cond>
+              </p:prevCondLst>
+              <p:nextCondLst>
+                <p:cond evt="onNext" delay="0">
+                  <p:tgtEl>
+                    <p:sldTgt/>
+                  </p:tgtEl>
+                </p:cond>
+              </p:nextCondLst>
+            </p:seq>
+          </p:childTnLst>
+        </p:cTn>
+      </p:par>
+    </p:tnLst>
+  </p:timing>
+</p:sld>
+</file>
+
+<file path=ppt/slides/slide9.xml><?xml version="1.0" encoding="utf-8"?>
+<p:sld xmlns:a="http://schemas.openxmlformats.org/drawingml/2006/main" xmlns:r="http://schemas.openxmlformats.org/officeDocument/2006/relationships" xmlns:p="http://schemas.openxmlformats.org/presentationml/2006/main">
+  <p:cSld>
+    <p:spTree>
+      <p:nvGrpSpPr>
+        <p:cNvPr id="1" name=""/>
+        <p:cNvGrpSpPr/>
+        <p:nvPr/>
+      </p:nvGrpSpPr>
+      <p:grpSpPr>
+        <a:xfrm>
+          <a:off x="0" y="0"/>
+          <a:ext cx="0" cy="0"/>
+          <a:chOff x="0" y="0"/>
+          <a:chExt cx="0" cy="0"/>
+        </a:xfrm>
+      </p:grpSpPr>
+      <p:sp>
+        <p:nvSpPr>
+          <p:cNvPr id="128" name="CustomShape 1"/>
+          <p:cNvSpPr/>
+          <p:nvPr/>
+        </p:nvSpPr>
+        <p:spPr>
+          <a:xfrm>
+            <a:off x="343080" y="330840"/>
+            <a:ext cx="7885080" cy="613800"/>
+          </a:xfrm>
+          <a:prstGeom prst="rect">
+            <a:avLst/>
+          </a:prstGeom>
+          <a:noFill/>
+          <a:ln>
+            <a:noFill/>
+          </a:ln>
+        </p:spPr>
+        <p:style>
+          <a:lnRef idx="0">
+            <a:scrgbClr r="0" g="0" b="0"/>
+          </a:lnRef>
+          <a:fillRef idx="0">
+            <a:scrgbClr r="0" g="0" b="0"/>
+          </a:fillRef>
+          <a:effectRef idx="0">
+            <a:scrgbClr r="0" g="0" b="0"/>
+          </a:effectRef>
+          <a:fontRef idx="minor"/>
+        </p:style>
+        <p:txBody>
+          <a:bodyPr lIns="90000" tIns="45000" rIns="90000" bIns="45000" anchor="ctr"/>
+          <a:lstStyle/>
+          <a:p>
+            <a:pPr>
+              <a:lnSpc>
+                <a:spcPct val="90000"/>
+              </a:lnSpc>
+            </a:pPr>
+            <a:r>
+              <a:rPr lang="en-US" sz="2800" b="1" i="1" strike="noStrike" spc="-1" dirty="0" smtClean="0">
+                <a:solidFill>
+                  <a:srgbClr val="333F4F"/>
+                </a:solidFill>
+                <a:uFill>
+                  <a:solidFill>
+                    <a:srgbClr val="FFFFFF"/>
+                  </a:solidFill>
+                </a:uFill>
+                <a:latin typeface="Arial"/>
+                <a:ea typeface="DejaVu Sans"/>
+              </a:rPr>
+              <a:t>References</a:t>
+            </a:r>
+            <a:endParaRPr lang="en-US" sz="1800" b="0" strike="noStrike" spc="-1" dirty="0">
+              <a:solidFill>
+                <a:srgbClr val="000000"/>
+              </a:solidFill>
+              <a:uFill>
+                <a:solidFill>
+                  <a:srgbClr val="FFFFFF"/>
+                </a:solidFill>
+              </a:uFill>
+              <a:latin typeface="Arial"/>
+            </a:endParaRPr>
+          </a:p>
+        </p:txBody>
+      </p:sp>
+      <p:sp>
+        <p:nvSpPr>
+          <p:cNvPr id="129" name="CustomShape 2"/>
+          <p:cNvSpPr/>
+          <p:nvPr/>
+        </p:nvSpPr>
+        <p:spPr>
+          <a:xfrm>
+            <a:off x="600120" y="1105355"/>
+            <a:ext cx="8172000" cy="1393200"/>
+          </a:xfrm>
+          <a:prstGeom prst="rect">
+            <a:avLst/>
+          </a:prstGeom>
+          <a:noFill/>
+          <a:ln>
+            <a:noFill/>
+          </a:ln>
+        </p:spPr>
+        <p:style>
+          <a:lnRef idx="0">
+            <a:scrgbClr r="0" g="0" b="0"/>
+          </a:lnRef>
+          <a:fillRef idx="0">
+            <a:scrgbClr r="0" g="0" b="0"/>
+          </a:fillRef>
+          <a:effectRef idx="0">
+            <a:scrgbClr r="0" g="0" b="0"/>
+          </a:effectRef>
+          <a:fontRef idx="minor"/>
+        </p:style>
+        <p:txBody>
+          <a:bodyPr lIns="90000" tIns="45000" rIns="90000" bIns="45000"/>
+          <a:lstStyle/>
+          <a:p>
+            <a:pPr lvl="0"/>
+            <a:r>
+              <a:rPr lang="en-US" sz="1400" dirty="0" err="1"/>
+              <a:t>Onegreenplanet.org</a:t>
+            </a:r>
+            <a:r>
+              <a:rPr lang="en-US" sz="1400" dirty="0"/>
+              <a:t> Animals and nature. Retrieved February 23, 2018. </a:t>
+            </a:r>
+            <a:r>
+              <a:rPr lang="en-US" sz="1400" dirty="0">
+                <a:hlinkClick r:id="rId2"/>
+              </a:rPr>
+              <a:t>https://www.onegreenplanet.org/animalsa ndnature/the-disappearing-bees-andwhat-you-can-do-to-help/</a:t>
+            </a:r>
+            <a:r>
+              <a:rPr lang="es-CO" sz="1400" dirty="0">
+                <a:hlinkClick r:id="rId2"/>
+              </a:rPr>
+              <a:t> </a:t>
+            </a:r>
+            <a:endParaRPr lang="es-CO" sz="1400" dirty="0" smtClean="0"/>
+          </a:p>
+          <a:p>
+            <a:pPr lvl="0"/>
+            <a:endParaRPr lang="en-US" sz="1400" dirty="0"/>
+          </a:p>
+          <a:p>
+            <a:pPr lvl="0"/>
+            <a:r>
+              <a:rPr lang="en-US" sz="1400" dirty="0" err="1"/>
+              <a:t>Sos-bees.org</a:t>
+            </a:r>
+            <a:r>
+              <a:rPr lang="en-US" sz="1400" dirty="0"/>
+              <a:t> Solutions. Retrieved February 23, 2018. </a:t>
+            </a:r>
+            <a:br>
+              <a:rPr lang="en-US" sz="1400" dirty="0"/>
+            </a:br>
+            <a:r>
+              <a:rPr lang="en-US" sz="1400" dirty="0">
+                <a:hlinkClick r:id="rId3"/>
+              </a:rPr>
+              <a:t>http://sos-bees.org/solutions/</a:t>
+            </a:r>
+            <a:r>
+              <a:rPr lang="es-CO" sz="1400" dirty="0">
+                <a:hlinkClick r:id="rId3"/>
+              </a:rPr>
+              <a:t> </a:t>
+            </a:r>
+            <a:endParaRPr lang="es-CO" sz="1400" dirty="0" smtClean="0"/>
+          </a:p>
+          <a:p>
+            <a:pPr lvl="0"/>
+            <a:endParaRPr lang="en-US" sz="1400" dirty="0"/>
+          </a:p>
+          <a:p>
+            <a:pPr lvl="0"/>
+            <a:r>
+              <a:rPr lang="en-US" sz="1400" dirty="0" err="1"/>
+              <a:t>Euclideanspace.com</a:t>
+            </a:r>
+            <a:r>
+              <a:rPr lang="en-US" sz="1400" dirty="0"/>
+              <a:t> Bounding boxes. Retrieved February 23, 2018 </a:t>
+            </a:r>
+            <a:r>
+              <a:rPr lang="en-US" sz="1400" dirty="0">
+                <a:hlinkClick r:id="rId4"/>
+              </a:rPr>
+              <a:t>http://www.euclideanspace.com/threed/animation/collisiondetect/index.htm</a:t>
+            </a:r>
+            <a:r>
+              <a:rPr lang="es-CO" sz="1400" dirty="0">
+                <a:hlinkClick r:id="rId4"/>
+              </a:rPr>
+              <a:t> </a:t>
+            </a:r>
+            <a:endParaRPr lang="es-CO" sz="1400" dirty="0" smtClean="0"/>
+          </a:p>
+          <a:p>
+            <a:pPr lvl="0"/>
+            <a:endParaRPr lang="en-US" sz="1400" dirty="0"/>
+          </a:p>
+          <a:p>
+            <a:pPr lvl="0"/>
+            <a:r>
+              <a:rPr lang="en-US" sz="1400" dirty="0"/>
+              <a:t>Wikipedia. sweep and prune. Retrieved February 23, 2018        </a:t>
+            </a:r>
+            <a:r>
+              <a:rPr lang="en-US" sz="1400" dirty="0">
+                <a:hlinkClick r:id="rId5"/>
+              </a:rPr>
+              <a:t>https://en.wikipedia.org/wiki/Sweep_and_p</a:t>
+            </a:r>
+            <a:r>
+              <a:rPr lang="en-US" sz="1400" u="sng" dirty="0"/>
+              <a:t/>
+            </a:r>
+            <a:br>
+              <a:rPr lang="en-US" sz="1400" u="sng" dirty="0"/>
+            </a:br>
+            <a:r>
+              <a:rPr lang="en-US" sz="1400" dirty="0">
+                <a:hlinkClick r:id="rId5"/>
+              </a:rPr>
+              <a:t>rune</a:t>
+            </a:r>
+            <a:r>
+              <a:rPr lang="es-CO" sz="1400" dirty="0">
+                <a:hlinkClick r:id="rId5"/>
+              </a:rPr>
+              <a:t> </a:t>
+            </a:r>
+            <a:r>
+              <a:rPr lang="es-CO" sz="1400" dirty="0"/>
+              <a:t> </a:t>
+            </a:r>
+            <a:endParaRPr lang="es-CO" sz="1400" dirty="0" smtClean="0"/>
+          </a:p>
+          <a:p>
+            <a:pPr lvl="0"/>
+            <a:endParaRPr lang="en-US" sz="1400" dirty="0"/>
+          </a:p>
+          <a:p>
+            <a:pPr lvl="0"/>
+            <a:r>
+              <a:rPr lang="en-US" sz="1400" dirty="0"/>
+              <a:t>Moodle2015-16.ua.es. Videojuegos2.</a:t>
+            </a:r>
+            <a:br>
+              <a:rPr lang="en-US" sz="1400" dirty="0"/>
+            </a:br>
+            <a:r>
+              <a:rPr lang="en-US" sz="1400" dirty="0" err="1"/>
+              <a:t>Deteccion</a:t>
+            </a:r>
+            <a:r>
+              <a:rPr lang="en-US" sz="1400" dirty="0"/>
+              <a:t> de </a:t>
+            </a:r>
+            <a:r>
+              <a:rPr lang="en-US" sz="1400" dirty="0" err="1"/>
+              <a:t>colisiones</a:t>
+            </a:r>
+            <a:r>
+              <a:rPr lang="en-US" sz="1400" dirty="0"/>
+              <a:t> retrieved February 23 2018 </a:t>
+            </a:r>
+            <a:r>
+              <a:rPr lang="en-US" sz="1400" dirty="0">
+                <a:hlinkClick r:id="rId6"/>
+              </a:rPr>
+              <a:t>https://moodle201516.ua.es/moodle/pluginfile.php/12368/mod_resource/content/3/vii-07-colisiones.pdf</a:t>
+            </a:r>
+            <a:r>
+              <a:rPr lang="es-CO" sz="1400" dirty="0">
+                <a:hlinkClick r:id="rId6"/>
+              </a:rPr>
+              <a:t> </a:t>
+            </a:r>
+            <a:endParaRPr lang="es-CO" sz="1400" dirty="0" smtClean="0"/>
+          </a:p>
+          <a:p>
+            <a:pPr lvl="0"/>
+            <a:endParaRPr lang="en-US" sz="1400" dirty="0"/>
+          </a:p>
+          <a:p>
+            <a:pPr lvl="0"/>
+            <a:r>
+              <a:rPr lang="en-US" sz="1400" dirty="0" err="1"/>
+              <a:t>buildnewgames.com</a:t>
+            </a:r>
+            <a:r>
+              <a:rPr lang="en-US" sz="1400" dirty="0"/>
+              <a:t> . Broad Phase Collision Detection Using Spatial Partitioning retrieved February 23, 2018 </a:t>
+            </a:r>
+            <a:r>
+              <a:rPr lang="en-US" sz="1400" dirty="0">
+                <a:hlinkClick r:id="rId7"/>
+              </a:rPr>
+              <a:t>http://buildnewgames.com/broad-phasecollision-detection/</a:t>
+            </a:r>
+            <a:r>
+              <a:rPr lang="es-CO" sz="1400" dirty="0">
+                <a:hlinkClick r:id="rId7"/>
+              </a:rPr>
+              <a:t> </a:t>
+            </a:r>
+            <a:r>
+              <a:rPr lang="es-CO" sz="1400" dirty="0"/>
+              <a:t> </a:t>
+            </a:r>
+            <a:endParaRPr lang="en-US" sz="1400" dirty="0"/>
+          </a:p>
+        </p:txBody>
+      </p:sp>
     </p:spTree>
   </p:cSld>
   <p:clrMapOvr>
